--- a/Thesis/figures/grid irradiation setup.pptx
+++ b/Thesis/figures/grid irradiation setup.pptx
@@ -104,6 +104,11 @@
       </a:defRPr>
     </a:lvl9pPr>
   </p:defaultTextStyle>
+  <p:extLst>
+    <p:ext uri="{EFAFB233-063F-42B5-8137-9DF3F51BA10A}">
+      <p15:sldGuideLst xmlns:p15="http://schemas.microsoft.com/office/powerpoint/2012/main"/>
+    </p:ext>
+  </p:extLst>
 </p:presentation>
 </file>
 
@@ -120,12 +125,12 @@
   <pc:docChgLst>
     <pc:chgData name="Jacob Lie" userId="bdcf7bb32438130b" providerId="LiveId" clId="{70CA5B36-BE7D-4DE3-8AD9-8E471CA2F10F}"/>
     <pc:docChg chg="undo custSel modSld">
-      <pc:chgData name="Jacob Lie" userId="bdcf7bb32438130b" providerId="LiveId" clId="{70CA5B36-BE7D-4DE3-8AD9-8E471CA2F10F}" dt="2022-04-01T12:36:59.409" v="185" actId="20577"/>
+      <pc:chgData name="Jacob Lie" userId="bdcf7bb32438130b" providerId="LiveId" clId="{70CA5B36-BE7D-4DE3-8AD9-8E471CA2F10F}" dt="2022-04-01T16:59:43.533" v="186" actId="207"/>
       <pc:docMkLst>
         <pc:docMk/>
       </pc:docMkLst>
       <pc:sldChg chg="addSp delSp modSp mod">
-        <pc:chgData name="Jacob Lie" userId="bdcf7bb32438130b" providerId="LiveId" clId="{70CA5B36-BE7D-4DE3-8AD9-8E471CA2F10F}" dt="2022-04-01T12:36:59.409" v="185" actId="20577"/>
+        <pc:chgData name="Jacob Lie" userId="bdcf7bb32438130b" providerId="LiveId" clId="{70CA5B36-BE7D-4DE3-8AD9-8E471CA2F10F}" dt="2022-04-01T16:59:43.533" v="186" actId="207"/>
         <pc:sldMkLst>
           <pc:docMk/>
           <pc:sldMk cId="790778214" sldId="256"/>
@@ -179,7 +184,7 @@
           </ac:spMkLst>
         </pc:spChg>
         <pc:spChg chg="add mod">
-          <ac:chgData name="Jacob Lie" userId="bdcf7bb32438130b" providerId="LiveId" clId="{70CA5B36-BE7D-4DE3-8AD9-8E471CA2F10F}" dt="2022-04-01T10:16:07.691" v="145" actId="1076"/>
+          <ac:chgData name="Jacob Lie" userId="bdcf7bb32438130b" providerId="LiveId" clId="{70CA5B36-BE7D-4DE3-8AD9-8E471CA2F10F}" dt="2022-04-01T16:59:43.533" v="186" actId="207"/>
           <ac:spMkLst>
             <pc:docMk/>
             <pc:sldMk cId="790778214" sldId="256"/>
